--- a/ppt/R-11-DataSource.pptx
+++ b/ppt/R-11-DataSource.pptx
@@ -3702,13 +3702,8 @@
             <a:pPr eaLnBrk="1" hangingPunct="1"/>
             <a:r>
               <a:rPr lang="fr-FR" altLang="fr-FR" dirty="0" smtClean="0"/>
-              <a:t>Chapitre </a:t>
-            </a:r>
-            <a:r>
-              <a:rPr lang="fr-FR" altLang="fr-FR" dirty="0" smtClean="0"/>
-              <a:t>11</a:t>
-            </a:r>
-            <a:endParaRPr lang="fr-FR" altLang="fr-FR" dirty="0" smtClean="0"/>
+              <a:t>Chapitre 11</a:t>
+            </a:r>
           </a:p>
           <a:p>
             <a:pPr eaLnBrk="1" hangingPunct="1"/>
@@ -3716,7 +3711,6 @@
               <a:rPr lang="fr-FR" altLang="fr-FR" dirty="0" smtClean="0"/>
               <a:t>Gestion des sources de données</a:t>
             </a:r>
-            <a:endParaRPr lang="fr-FR" altLang="fr-FR" dirty="0" smtClean="0"/>
           </a:p>
           <a:p>
             <a:pPr eaLnBrk="1" hangingPunct="1"/>
@@ -3872,30 +3866,6 @@
           </a:p>
         </p:txBody>
       </p:sp>
-      <p:pic>
-        <p:nvPicPr>
-          <p:cNvPr id="4" name="Image 3"/>
-          <p:cNvPicPr>
-            <a:picLocks noChangeAspect="1"/>
-          </p:cNvPicPr>
-          <p:nvPr/>
-        </p:nvPicPr>
-        <p:blipFill>
-          <a:blip r:embed="rId2"/>
-          <a:stretch>
-            <a:fillRect/>
-          </a:stretch>
-        </p:blipFill>
-        <p:spPr>
-          <a:xfrm>
-            <a:off x="1187624" y="3212976"/>
-            <a:ext cx="5904656" cy="864096"/>
-          </a:xfrm>
-          <a:prstGeom prst="rect">
-            <a:avLst/>
-          </a:prstGeom>
-        </p:spPr>
-      </p:pic>
     </p:spTree>
     <p:extLst>
       <p:ext uri="{BB962C8B-B14F-4D97-AF65-F5344CB8AC3E}">
@@ -3906,6 +3876,13 @@
   <p:clrMapOvr>
     <a:masterClrMapping/>
   </p:clrMapOvr>
+  <p:timing>
+    <p:tnLst>
+      <p:par>
+        <p:cTn id="1" dur="indefinite" restart="never" nodeType="tmRoot"/>
+      </p:par>
+    </p:tnLst>
+  </p:timing>
 </p:sld>
 </file>
 
@@ -4007,6 +3984,13 @@
   <p:clrMapOvr>
     <a:masterClrMapping/>
   </p:clrMapOvr>
+  <p:timing>
+    <p:tnLst>
+      <p:par>
+        <p:cTn id="1" dur="indefinite" restart="never" nodeType="tmRoot"/>
+      </p:par>
+    </p:tnLst>
+  </p:timing>
 </p:sld>
 </file>
 
@@ -4124,6 +4108,13 @@
   <p:clrMapOvr>
     <a:masterClrMapping/>
   </p:clrMapOvr>
+  <p:timing>
+    <p:tnLst>
+      <p:par>
+        <p:cTn id="1" dur="indefinite" restart="never" nodeType="tmRoot"/>
+      </p:par>
+    </p:tnLst>
+  </p:timing>
 </p:sld>
 </file>
 
@@ -4345,6 +4336,13 @@
   <p:clrMapOvr>
     <a:masterClrMapping/>
   </p:clrMapOvr>
+  <p:timing>
+    <p:tnLst>
+      <p:par>
+        <p:cTn id="1" dur="indefinite" restart="never" nodeType="tmRoot"/>
+      </p:par>
+    </p:tnLst>
+  </p:timing>
 </p:sld>
 </file>
 
@@ -4448,46 +4446,6 @@
             </a:r>
           </a:p>
           <a:p>
-            <a:pPr lvl="1"/>
-            <a:r>
-              <a:rPr lang="en-US" dirty="0" smtClean="0"/>
-              <a:t># Monte tout </a:t>
-            </a:r>
-            <a:r>
-              <a:rPr lang="en-US" dirty="0" err="1" smtClean="0"/>
-              <a:t>en</a:t>
-            </a:r>
-            <a:r>
-              <a:rPr lang="en-US" dirty="0" smtClean="0"/>
-              <a:t> </a:t>
-            </a:r>
-            <a:r>
-              <a:rPr lang="en-US" dirty="0" err="1" smtClean="0"/>
-              <a:t>mémoire</a:t>
-            </a:r>
-            <a:endParaRPr lang="en-US" dirty="0" smtClean="0"/>
-          </a:p>
-          <a:p>
-            <a:r>
-              <a:rPr lang="en-US" dirty="0" smtClean="0"/>
-              <a:t>SQL </a:t>
-            </a:r>
-            <a:r>
-              <a:rPr lang="en-US" dirty="0" err="1" smtClean="0"/>
-              <a:t>paginé</a:t>
-            </a:r>
-            <a:endParaRPr lang="en-US" dirty="0" smtClean="0"/>
-          </a:p>
-          <a:p>
-            <a:endParaRPr lang="en-US" dirty="0"/>
-          </a:p>
-          <a:p>
-            <a:endParaRPr lang="en-US" dirty="0" smtClean="0"/>
-          </a:p>
-          <a:p>
-            <a:endParaRPr lang="en-US" dirty="0"/>
-          </a:p>
-          <a:p>
             <a:r>
               <a:rPr lang="en-US" dirty="0" err="1" smtClean="0"/>
               <a:t>Déconnexion</a:t>
@@ -4512,30 +4470,6 @@
           </a:p>
         </p:txBody>
       </p:sp>
-      <p:pic>
-        <p:nvPicPr>
-          <p:cNvPr id="4" name="Image 3"/>
-          <p:cNvPicPr>
-            <a:picLocks noChangeAspect="1"/>
-          </p:cNvPicPr>
-          <p:nvPr/>
-        </p:nvPicPr>
-        <p:blipFill>
-          <a:blip r:embed="rId2"/>
-          <a:stretch>
-            <a:fillRect/>
-          </a:stretch>
-        </p:blipFill>
-        <p:spPr>
-          <a:xfrm>
-            <a:off x="2699792" y="3429000"/>
-            <a:ext cx="5616624" cy="1771975"/>
-          </a:xfrm>
-          <a:prstGeom prst="rect">
-            <a:avLst/>
-          </a:prstGeom>
-        </p:spPr>
-      </p:pic>
     </p:spTree>
     <p:extLst>
       <p:ext uri="{BB962C8B-B14F-4D97-AF65-F5344CB8AC3E}">
@@ -4546,6 +4480,13 @@
   <p:clrMapOvr>
     <a:masterClrMapping/>
   </p:clrMapOvr>
+  <p:timing>
+    <p:tnLst>
+      <p:par>
+        <p:cTn id="1" dur="indefinite" restart="never" nodeType="tmRoot"/>
+      </p:par>
+    </p:tnLst>
+  </p:timing>
 </p:sld>
 </file>
 
@@ -4644,6 +4585,13 @@
   <p:clrMapOvr>
     <a:masterClrMapping/>
   </p:clrMapOvr>
+  <p:timing>
+    <p:tnLst>
+      <p:par>
+        <p:cTn id="1" dur="indefinite" restart="never" nodeType="tmRoot"/>
+      </p:par>
+    </p:tnLst>
+  </p:timing>
 </p:sld>
 </file>
 
@@ -4937,6 +4885,13 @@
   <p:clrMapOvr>
     <a:masterClrMapping/>
   </p:clrMapOvr>
+  <p:timing>
+    <p:tnLst>
+      <p:par>
+        <p:cTn id="1" dur="indefinite" restart="never" nodeType="tmRoot"/>
+      </p:par>
+    </p:tnLst>
+  </p:timing>
 </p:sld>
 </file>
 
@@ -5079,6 +5034,13 @@
   <p:clrMapOvr>
     <a:masterClrMapping/>
   </p:clrMapOvr>
+  <p:timing>
+    <p:tnLst>
+      <p:par>
+        <p:cTn id="1" dur="indefinite" restart="never" nodeType="tmRoot"/>
+      </p:par>
+    </p:tnLst>
+  </p:timing>
 </p:sld>
 </file>
 
@@ -5158,8 +5120,13 @@
             <a:pPr lvl="1"/>
             <a:r>
               <a:rPr lang="fr-FR" dirty="0" smtClean="0"/>
-              <a:t>Par exemple XSLX</a:t>
-            </a:r>
+              <a:t>Par exemple </a:t>
+            </a:r>
+            <a:r>
+              <a:rPr lang="fr-FR" dirty="0" smtClean="0"/>
+              <a:t>XLSX</a:t>
+            </a:r>
+            <a:endParaRPr lang="fr-FR" dirty="0" smtClean="0"/>
           </a:p>
           <a:p>
             <a:pPr lvl="1"/>
@@ -5176,7 +5143,15 @@
             </a:r>
             <a:r>
               <a:rPr lang="fr-FR" dirty="0" smtClean="0"/>
-              <a:t>("XSLX")</a:t>
+              <a:t>("</a:t>
+            </a:r>
+            <a:r>
+              <a:rPr lang="fr-FR" dirty="0" smtClean="0"/>
+              <a:t>XLSX</a:t>
+            </a:r>
+            <a:r>
+              <a:rPr lang="fr-FR" dirty="0" smtClean="0"/>
+              <a:t>")</a:t>
             </a:r>
           </a:p>
           <a:p>
@@ -5263,6 +5238,13 @@
   <p:clrMapOvr>
     <a:masterClrMapping/>
   </p:clrMapOvr>
+  <p:timing>
+    <p:tnLst>
+      <p:par>
+        <p:cTn id="1" dur="indefinite" restart="never" nodeType="tmRoot"/>
+      </p:par>
+    </p:tnLst>
+  </p:timing>
 </p:sld>
 </file>
 
@@ -5418,6 +5400,13 @@
   <p:clrMapOvr>
     <a:masterClrMapping/>
   </p:clrMapOvr>
+  <p:timing>
+    <p:tnLst>
+      <p:par>
+        <p:cTn id="1" dur="indefinite" restart="never" nodeType="tmRoot"/>
+      </p:par>
+    </p:tnLst>
+  </p:timing>
 </p:sld>
 </file>
 
@@ -5507,36 +5496,8 @@
               <a:buNone/>
             </a:pPr>
             <a:r>
-              <a:rPr lang="fr-FR" dirty="0" smtClean="0"/>
-              <a:t>file </a:t>
-            </a:r>
-            <a:r>
-              <a:rPr lang="fr-FR" dirty="0"/>
-              <a:t>&lt;- </a:t>
-            </a:r>
-            <a:r>
-              <a:rPr lang="fr-FR" dirty="0" err="1"/>
-              <a:t>system.file</a:t>
-            </a:r>
-            <a:r>
-              <a:rPr lang="fr-FR" dirty="0"/>
-              <a:t>("tests", </a:t>
-            </a:r>
-            <a:r>
-              <a:rPr lang="fr-FR" dirty="0" smtClean="0"/>
-              <a:t>"my.xlsx</a:t>
-            </a:r>
-            <a:r>
-              <a:rPr lang="fr-FR" dirty="0"/>
-              <a:t>", package = "</a:t>
-            </a:r>
-            <a:r>
-              <a:rPr lang="fr-FR" dirty="0" err="1"/>
-              <a:t>xlsx</a:t>
-            </a:r>
-            <a:r>
-              <a:rPr lang="fr-FR" dirty="0" smtClean="0"/>
-              <a:t>")</a:t>
+              <a:rPr lang="en-US" dirty="0"/>
+              <a:t>res &lt;- read.xlsx("house/house.xlsx", 1)</a:t>
             </a:r>
           </a:p>
           <a:p>
@@ -5544,26 +5505,12 @@
               <a:buNone/>
             </a:pPr>
             <a:r>
-              <a:rPr lang="fr-FR" dirty="0" err="1" smtClean="0"/>
-              <a:t>res</a:t>
-            </a:r>
-            <a:r>
-              <a:rPr lang="fr-FR" dirty="0" smtClean="0"/>
-              <a:t> </a:t>
-            </a:r>
-            <a:r>
-              <a:rPr lang="fr-FR" dirty="0"/>
-              <a:t>&lt;- read.xlsx(file, 1</a:t>
-            </a:r>
-            <a:r>
-              <a:rPr lang="fr-FR" dirty="0" smtClean="0"/>
-              <a:t>)</a:t>
-            </a:r>
-          </a:p>
-          <a:p>
-            <a:r>
-              <a:rPr lang="fr-FR" dirty="0" smtClean="0"/>
-              <a:t>read.xlsx() lit le fichier file et la feuille n°1</a:t>
+              <a:rPr lang="fr-FR" dirty="0" smtClean="0"/>
+              <a:t>read.xlsx</a:t>
+            </a:r>
+            <a:r>
+              <a:rPr lang="fr-FR" dirty="0" smtClean="0"/>
+              <a:t>() lit le fichier file et la feuille n°1</a:t>
             </a:r>
           </a:p>
           <a:p>
@@ -5666,6 +5613,13 @@
   <p:clrMapOvr>
     <a:masterClrMapping/>
   </p:clrMapOvr>
+  <p:timing>
+    <p:tnLst>
+      <p:par>
+        <p:cTn id="1" dur="indefinite" restart="never" nodeType="tmRoot"/>
+      </p:par>
+    </p:tnLst>
+  </p:timing>
 </p:sld>
 </file>
 
@@ -5822,6 +5776,13 @@
   <p:clrMapOvr>
     <a:masterClrMapping/>
   </p:clrMapOvr>
+  <p:timing>
+    <p:tnLst>
+      <p:par>
+        <p:cTn id="1" dur="indefinite" restart="never" nodeType="tmRoot"/>
+      </p:par>
+    </p:tnLst>
+  </p:timing>
 </p:sld>
 </file>
 
@@ -5970,6 +5931,13 @@
   <p:clrMapOvr>
     <a:masterClrMapping/>
   </p:clrMapOvr>
+  <p:timing>
+    <p:tnLst>
+      <p:par>
+        <p:cTn id="1" dur="indefinite" restart="never" nodeType="tmRoot"/>
+      </p:par>
+    </p:tnLst>
+  </p:timing>
 </p:sld>
 </file>
 
